--- a/PPT/Ctrip/技术相关/SOA 2 - Highlights, Development & Governance Process - v5.pptx
+++ b/PPT/Ctrip/技术相关/SOA 2 - Highlights, Development & Governance Process - v5.pptx
@@ -118,6 +118,22 @@
       </a:defRPr>
     </a:lvl9pPr>
   </p:defaultTextStyle>
+  <p:extLst>
+    <p:ext uri="{EFAFB233-063F-42B5-8137-9DF3F51BA10A}">
+      <p15:sldGuideLst xmlns:p15="http://schemas.microsoft.com/office/powerpoint/2012/main">
+        <p15:guide id="1" orient="horz" pos="2160">
+          <p15:clr>
+            <a:srgbClr val="A4A3A4"/>
+          </p15:clr>
+        </p15:guide>
+        <p15:guide id="2" pos="2880">
+          <p15:clr>
+            <a:srgbClr val="A4A3A4"/>
+          </p15:clr>
+        </p15:guide>
+      </p15:sldGuideLst>
+    </p:ext>
+  </p:extLst>
 </p:presentation>
 </file>
 
@@ -302,7 +318,7 @@
           <a:p>
             <a:fld id="{FB63A8A0-BBDC-4C93-A72B-1D53BA1EBE38}" type="datetimeFigureOut">
               <a:rPr lang="zh-CN" altLang="en-US" smtClean="0"/>
-              <a:t>2014/2/24</a:t>
+              <a:t>2014/4/24</a:t>
             </a:fld>
             <a:endParaRPr lang="zh-CN" altLang="en-US"/>
           </a:p>
@@ -472,7 +488,7 @@
           <a:p>
             <a:fld id="{FB63A8A0-BBDC-4C93-A72B-1D53BA1EBE38}" type="datetimeFigureOut">
               <a:rPr lang="zh-CN" altLang="en-US" smtClean="0"/>
-              <a:t>2014/2/24</a:t>
+              <a:t>2014/4/24</a:t>
             </a:fld>
             <a:endParaRPr lang="zh-CN" altLang="en-US"/>
           </a:p>
@@ -652,7 +668,7 @@
           <a:p>
             <a:fld id="{FB63A8A0-BBDC-4C93-A72B-1D53BA1EBE38}" type="datetimeFigureOut">
               <a:rPr lang="zh-CN" altLang="en-US" smtClean="0"/>
-              <a:t>2014/2/24</a:t>
+              <a:t>2014/4/24</a:t>
             </a:fld>
             <a:endParaRPr lang="zh-CN" altLang="en-US"/>
           </a:p>
@@ -822,7 +838,7 @@
           <a:p>
             <a:fld id="{FB63A8A0-BBDC-4C93-A72B-1D53BA1EBE38}" type="datetimeFigureOut">
               <a:rPr lang="zh-CN" altLang="en-US" smtClean="0"/>
-              <a:t>2014/2/24</a:t>
+              <a:t>2014/4/24</a:t>
             </a:fld>
             <a:endParaRPr lang="zh-CN" altLang="en-US"/>
           </a:p>
@@ -1068,7 +1084,7 @@
           <a:p>
             <a:fld id="{FB63A8A0-BBDC-4C93-A72B-1D53BA1EBE38}" type="datetimeFigureOut">
               <a:rPr lang="zh-CN" altLang="en-US" smtClean="0"/>
-              <a:t>2014/2/24</a:t>
+              <a:t>2014/4/24</a:t>
             </a:fld>
             <a:endParaRPr lang="zh-CN" altLang="en-US"/>
           </a:p>
@@ -1356,7 +1372,7 @@
           <a:p>
             <a:fld id="{FB63A8A0-BBDC-4C93-A72B-1D53BA1EBE38}" type="datetimeFigureOut">
               <a:rPr lang="zh-CN" altLang="en-US" smtClean="0"/>
-              <a:t>2014/2/24</a:t>
+              <a:t>2014/4/24</a:t>
             </a:fld>
             <a:endParaRPr lang="zh-CN" altLang="en-US"/>
           </a:p>
@@ -1778,7 +1794,7 @@
           <a:p>
             <a:fld id="{FB63A8A0-BBDC-4C93-A72B-1D53BA1EBE38}" type="datetimeFigureOut">
               <a:rPr lang="zh-CN" altLang="en-US" smtClean="0"/>
-              <a:t>2014/2/24</a:t>
+              <a:t>2014/4/24</a:t>
             </a:fld>
             <a:endParaRPr lang="zh-CN" altLang="en-US"/>
           </a:p>
@@ -1896,7 +1912,7 @@
           <a:p>
             <a:fld id="{FB63A8A0-BBDC-4C93-A72B-1D53BA1EBE38}" type="datetimeFigureOut">
               <a:rPr lang="zh-CN" altLang="en-US" smtClean="0"/>
-              <a:t>2014/2/24</a:t>
+              <a:t>2014/4/24</a:t>
             </a:fld>
             <a:endParaRPr lang="zh-CN" altLang="en-US"/>
           </a:p>
@@ -1991,7 +2007,7 @@
           <a:p>
             <a:fld id="{FB63A8A0-BBDC-4C93-A72B-1D53BA1EBE38}" type="datetimeFigureOut">
               <a:rPr lang="zh-CN" altLang="en-US" smtClean="0"/>
-              <a:t>2014/2/24</a:t>
+              <a:t>2014/4/24</a:t>
             </a:fld>
             <a:endParaRPr lang="zh-CN" altLang="en-US"/>
           </a:p>
@@ -2268,7 +2284,7 @@
           <a:p>
             <a:fld id="{FB63A8A0-BBDC-4C93-A72B-1D53BA1EBE38}" type="datetimeFigureOut">
               <a:rPr lang="zh-CN" altLang="en-US" smtClean="0"/>
-              <a:t>2014/2/24</a:t>
+              <a:t>2014/4/24</a:t>
             </a:fld>
             <a:endParaRPr lang="zh-CN" altLang="en-US"/>
           </a:p>
@@ -2521,7 +2537,7 @@
           <a:p>
             <a:fld id="{FB63A8A0-BBDC-4C93-A72B-1D53BA1EBE38}" type="datetimeFigureOut">
               <a:rPr lang="zh-CN" altLang="en-US" smtClean="0"/>
-              <a:t>2014/2/24</a:t>
+              <a:t>2014/4/24</a:t>
             </a:fld>
             <a:endParaRPr lang="zh-CN" altLang="en-US"/>
           </a:p>
@@ -2734,7 +2750,7 @@
           <a:p>
             <a:fld id="{FB63A8A0-BBDC-4C93-A72B-1D53BA1EBE38}" type="datetimeFigureOut">
               <a:rPr lang="zh-CN" altLang="en-US" smtClean="0"/>
-              <a:t>2014/2/24</a:t>
+              <a:t>2014/4/24</a:t>
             </a:fld>
             <a:endParaRPr lang="zh-CN" altLang="en-US"/>
           </a:p>
@@ -8075,7 +8091,7 @@
         <a:sysClr val="windowText" lastClr="000000"/>
       </a:dk1>
       <a:lt1>
-        <a:sysClr val="window" lastClr="FFFFFF"/>
+        <a:sysClr val="window" lastClr="CCE8CF"/>
       </a:lt1>
       <a:dk2>
         <a:srgbClr val="1F497D"/>
